--- a/2022-2023/Wyk/Wyklad6.pptx
+++ b/2022-2023/Wyk/Wyklad6.pptx
@@ -292,7 +292,7 @@
           <a:p>
             <a:fld id="{5113504E-0C99-2340-A5F6-DD6E1A87C372}" type="datetimeFigureOut">
               <a:rPr lang="pl-PL" smtClean="0"/>
-              <a:t>18.11.2022</a:t>
+              <a:t>25.11.2022</a:t>
             </a:fld>
             <a:endParaRPr lang="pl-PL"/>
           </a:p>
@@ -458,7 +458,7 @@
           <a:p>
             <a:fld id="{F78C933E-44E9-2D43-91B0-0D2BEEFA7EB9}" type="datetimeFigureOut">
               <a:rPr lang="pl-PL" smtClean="0"/>
-              <a:t>18.11.2022</a:t>
+              <a:t>25.11.2022</a:t>
             </a:fld>
             <a:endParaRPr lang="pl-PL"/>
           </a:p>
@@ -2729,7 +2729,7 @@
           <a:p>
             <a:fld id="{91017B01-0C30-B241-B19F-621BE4770608}" type="datetimeFigureOut">
               <a:rPr lang="pl-PL" smtClean="0"/>
-              <a:t>18.11.2022</a:t>
+              <a:t>25.11.2022</a:t>
             </a:fld>
             <a:endParaRPr lang="pl-PL"/>
           </a:p>
@@ -2898,7 +2898,7 @@
           <a:p>
             <a:fld id="{91017B01-0C30-B241-B19F-621BE4770608}" type="datetimeFigureOut">
               <a:rPr lang="pl-PL" smtClean="0"/>
-              <a:t>18.11.2022</a:t>
+              <a:t>25.11.2022</a:t>
             </a:fld>
             <a:endParaRPr lang="pl-PL"/>
           </a:p>
@@ -3077,7 +3077,7 @@
           <a:p>
             <a:fld id="{91017B01-0C30-B241-B19F-621BE4770608}" type="datetimeFigureOut">
               <a:rPr lang="pl-PL" smtClean="0"/>
-              <a:t>18.11.2022</a:t>
+              <a:t>25.11.2022</a:t>
             </a:fld>
             <a:endParaRPr lang="pl-PL"/>
           </a:p>
@@ -3246,7 +3246,7 @@
           <a:p>
             <a:fld id="{91017B01-0C30-B241-B19F-621BE4770608}" type="datetimeFigureOut">
               <a:rPr lang="pl-PL" smtClean="0"/>
-              <a:t>18.11.2022</a:t>
+              <a:t>25.11.2022</a:t>
             </a:fld>
             <a:endParaRPr lang="pl-PL"/>
           </a:p>
@@ -3492,7 +3492,7 @@
           <a:p>
             <a:fld id="{91017B01-0C30-B241-B19F-621BE4770608}" type="datetimeFigureOut">
               <a:rPr lang="pl-PL" smtClean="0"/>
-              <a:t>18.11.2022</a:t>
+              <a:t>25.11.2022</a:t>
             </a:fld>
             <a:endParaRPr lang="pl-PL"/>
           </a:p>
@@ -3778,7 +3778,7 @@
           <a:p>
             <a:fld id="{91017B01-0C30-B241-B19F-621BE4770608}" type="datetimeFigureOut">
               <a:rPr lang="pl-PL" smtClean="0"/>
-              <a:t>18.11.2022</a:t>
+              <a:t>25.11.2022</a:t>
             </a:fld>
             <a:endParaRPr lang="pl-PL"/>
           </a:p>
@@ -4198,7 +4198,7 @@
           <a:p>
             <a:fld id="{91017B01-0C30-B241-B19F-621BE4770608}" type="datetimeFigureOut">
               <a:rPr lang="pl-PL" smtClean="0"/>
-              <a:t>18.11.2022</a:t>
+              <a:t>25.11.2022</a:t>
             </a:fld>
             <a:endParaRPr lang="pl-PL"/>
           </a:p>
@@ -4316,7 +4316,7 @@
           <a:p>
             <a:fld id="{91017B01-0C30-B241-B19F-621BE4770608}" type="datetimeFigureOut">
               <a:rPr lang="pl-PL" smtClean="0"/>
-              <a:t>18.11.2022</a:t>
+              <a:t>25.11.2022</a:t>
             </a:fld>
             <a:endParaRPr lang="pl-PL"/>
           </a:p>
@@ -4412,7 +4412,7 @@
           <a:p>
             <a:fld id="{91017B01-0C30-B241-B19F-621BE4770608}" type="datetimeFigureOut">
               <a:rPr lang="pl-PL" smtClean="0"/>
-              <a:t>18.11.2022</a:t>
+              <a:t>25.11.2022</a:t>
             </a:fld>
             <a:endParaRPr lang="pl-PL"/>
           </a:p>
@@ -4689,7 +4689,7 @@
           <a:p>
             <a:fld id="{91017B01-0C30-B241-B19F-621BE4770608}" type="datetimeFigureOut">
               <a:rPr lang="pl-PL" smtClean="0"/>
-              <a:t>18.11.2022</a:t>
+              <a:t>25.11.2022</a:t>
             </a:fld>
             <a:endParaRPr lang="pl-PL"/>
           </a:p>
@@ -4945,7 +4945,7 @@
           <a:p>
             <a:fld id="{91017B01-0C30-B241-B19F-621BE4770608}" type="datetimeFigureOut">
               <a:rPr lang="pl-PL" smtClean="0"/>
-              <a:t>18.11.2022</a:t>
+              <a:t>25.11.2022</a:t>
             </a:fld>
             <a:endParaRPr lang="pl-PL"/>
           </a:p>
@@ -5157,7 +5157,7 @@
           <a:p>
             <a:fld id="{91017B01-0C30-B241-B19F-621BE4770608}" type="datetimeFigureOut">
               <a:rPr lang="pl-PL" smtClean="0"/>
-              <a:t>18.11.2022</a:t>
+              <a:t>25.11.2022</a:t>
             </a:fld>
             <a:endParaRPr lang="pl-PL"/>
           </a:p>
@@ -5726,18 +5726,13 @@
               <a:buChar char="o"/>
             </a:pPr>
             <a:r>
-              <a:rPr lang="pl-PL" sz="1800" dirty="0" err="1">
+              <a:rPr lang="pl-PL" sz="1800" dirty="0">
                 <a:solidFill>
                   <a:schemeClr val="bg1"/>
                 </a:solidFill>
               </a:rPr>
               <a:t>SQLite</a:t>
             </a:r>
-            <a:endParaRPr lang="pl-PL" sz="1800" dirty="0">
-              <a:solidFill>
-                <a:schemeClr val="bg1"/>
-              </a:solidFill>
-            </a:endParaRPr>
           </a:p>
         </p:txBody>
       </p:sp>
@@ -5806,7 +5801,7 @@
           <a:p>
             <a:pPr algn="ctr"/>
             <a:r>
-              <a:rPr lang="pl-PL" sz="2600" dirty="0" err="1">
+              <a:rPr lang="pl-PL" sz="2600" dirty="0">
                 <a:solidFill>
                   <a:schemeClr val="bg1"/>
                 </a:solidFill>
@@ -5816,14 +5811,6 @@
               </a:rPr>
               <a:t>SQLite</a:t>
             </a:r>
-            <a:endParaRPr lang="pl-PL" sz="2600" dirty="0">
-              <a:solidFill>
-                <a:schemeClr val="bg1"/>
-              </a:solidFill>
-              <a:latin typeface="Verdana" panose="020B0604030504040204" pitchFamily="34" charset="0"/>
-              <a:ea typeface="Verdana" panose="020B0604030504040204" pitchFamily="34" charset="0"/>
-              <a:cs typeface="Verdana" panose="020B0604030504040204" pitchFamily="34" charset="0"/>
-            </a:endParaRPr>
           </a:p>
         </p:txBody>
       </p:sp>
@@ -5969,7 +5956,7 @@
           <a:p>
             <a:pPr algn="ctr"/>
             <a:r>
-              <a:rPr lang="pl-PL" sz="2600" dirty="0" err="1">
+              <a:rPr lang="pl-PL" sz="2600" dirty="0">
                 <a:solidFill>
                   <a:schemeClr val="bg1"/>
                 </a:solidFill>
@@ -5979,14 +5966,6 @@
               </a:rPr>
               <a:t>SQLite</a:t>
             </a:r>
-            <a:endParaRPr lang="pl-PL" sz="2600" dirty="0">
-              <a:solidFill>
-                <a:schemeClr val="bg1"/>
-              </a:solidFill>
-              <a:latin typeface="Verdana" panose="020B0604030504040204" pitchFamily="34" charset="0"/>
-              <a:ea typeface="Verdana" panose="020B0604030504040204" pitchFamily="34" charset="0"/>
-              <a:cs typeface="Verdana" panose="020B0604030504040204" pitchFamily="34" charset="0"/>
-            </a:endParaRPr>
           </a:p>
         </p:txBody>
       </p:sp>
@@ -6132,7 +6111,7 @@
           <a:p>
             <a:pPr algn="ctr"/>
             <a:r>
-              <a:rPr lang="pl-PL" sz="2600" dirty="0" err="1">
+              <a:rPr lang="pl-PL" sz="2600" dirty="0">
                 <a:solidFill>
                   <a:schemeClr val="bg1"/>
                 </a:solidFill>
@@ -6142,14 +6121,6 @@
               </a:rPr>
               <a:t>SQLite</a:t>
             </a:r>
-            <a:endParaRPr lang="pl-PL" sz="2600" dirty="0">
-              <a:solidFill>
-                <a:schemeClr val="bg1"/>
-              </a:solidFill>
-              <a:latin typeface="Verdana" panose="020B0604030504040204" pitchFamily="34" charset="0"/>
-              <a:ea typeface="Verdana" panose="020B0604030504040204" pitchFamily="34" charset="0"/>
-              <a:cs typeface="Verdana" panose="020B0604030504040204" pitchFamily="34" charset="0"/>
-            </a:endParaRPr>
           </a:p>
         </p:txBody>
       </p:sp>
@@ -6295,7 +6266,7 @@
           <a:p>
             <a:pPr algn="ctr"/>
             <a:r>
-              <a:rPr lang="pl-PL" sz="2600" dirty="0" err="1">
+              <a:rPr lang="pl-PL" sz="2600" dirty="0">
                 <a:solidFill>
                   <a:schemeClr val="bg1"/>
                 </a:solidFill>
@@ -6305,14 +6276,6 @@
               </a:rPr>
               <a:t>SQLite</a:t>
             </a:r>
-            <a:endParaRPr lang="pl-PL" sz="2600" dirty="0">
-              <a:solidFill>
-                <a:schemeClr val="bg1"/>
-              </a:solidFill>
-              <a:latin typeface="Verdana" panose="020B0604030504040204" pitchFamily="34" charset="0"/>
-              <a:ea typeface="Verdana" panose="020B0604030504040204" pitchFamily="34" charset="0"/>
-              <a:cs typeface="Verdana" panose="020B0604030504040204" pitchFamily="34" charset="0"/>
-            </a:endParaRPr>
           </a:p>
         </p:txBody>
       </p:sp>
@@ -6458,7 +6421,7 @@
           <a:p>
             <a:pPr algn="ctr"/>
             <a:r>
-              <a:rPr lang="pl-PL" sz="2600" dirty="0" err="1">
+              <a:rPr lang="pl-PL" sz="2600" dirty="0">
                 <a:solidFill>
                   <a:schemeClr val="bg1"/>
                 </a:solidFill>
@@ -6468,14 +6431,6 @@
               </a:rPr>
               <a:t>SQLite</a:t>
             </a:r>
-            <a:endParaRPr lang="pl-PL" sz="2600" dirty="0">
-              <a:solidFill>
-                <a:schemeClr val="bg1"/>
-              </a:solidFill>
-              <a:latin typeface="Verdana" panose="020B0604030504040204" pitchFamily="34" charset="0"/>
-              <a:ea typeface="Verdana" panose="020B0604030504040204" pitchFamily="34" charset="0"/>
-              <a:cs typeface="Verdana" panose="020B0604030504040204" pitchFamily="34" charset="0"/>
-            </a:endParaRPr>
           </a:p>
         </p:txBody>
       </p:sp>
@@ -6621,7 +6576,7 @@
           <a:p>
             <a:pPr algn="ctr"/>
             <a:r>
-              <a:rPr lang="pl-PL" sz="2600" dirty="0" err="1">
+              <a:rPr lang="pl-PL" sz="2600" dirty="0">
                 <a:solidFill>
                   <a:schemeClr val="bg1"/>
                 </a:solidFill>
@@ -6631,14 +6586,6 @@
               </a:rPr>
               <a:t>SQLite</a:t>
             </a:r>
-            <a:endParaRPr lang="pl-PL" sz="2600" dirty="0">
-              <a:solidFill>
-                <a:schemeClr val="bg1"/>
-              </a:solidFill>
-              <a:latin typeface="Verdana" panose="020B0604030504040204" pitchFamily="34" charset="0"/>
-              <a:ea typeface="Verdana" panose="020B0604030504040204" pitchFamily="34" charset="0"/>
-              <a:cs typeface="Verdana" panose="020B0604030504040204" pitchFamily="34" charset="0"/>
-            </a:endParaRPr>
           </a:p>
         </p:txBody>
       </p:sp>
@@ -6784,7 +6731,7 @@
           <a:p>
             <a:pPr algn="ctr"/>
             <a:r>
-              <a:rPr lang="pl-PL" sz="2600" dirty="0" err="1">
+              <a:rPr lang="pl-PL" sz="2600" dirty="0">
                 <a:solidFill>
                   <a:schemeClr val="bg1"/>
                 </a:solidFill>
@@ -6794,14 +6741,6 @@
               </a:rPr>
               <a:t>SQLite</a:t>
             </a:r>
-            <a:endParaRPr lang="pl-PL" sz="2600" dirty="0">
-              <a:solidFill>
-                <a:schemeClr val="bg1"/>
-              </a:solidFill>
-              <a:latin typeface="Verdana" panose="020B0604030504040204" pitchFamily="34" charset="0"/>
-              <a:ea typeface="Verdana" panose="020B0604030504040204" pitchFamily="34" charset="0"/>
-              <a:cs typeface="Verdana" panose="020B0604030504040204" pitchFamily="34" charset="0"/>
-            </a:endParaRPr>
           </a:p>
         </p:txBody>
       </p:sp>
@@ -6947,7 +6886,7 @@
           <a:p>
             <a:pPr algn="ctr"/>
             <a:r>
-              <a:rPr lang="pl-PL" sz="2600" dirty="0" err="1">
+              <a:rPr lang="pl-PL" sz="2600" dirty="0">
                 <a:solidFill>
                   <a:schemeClr val="bg1"/>
                 </a:solidFill>
@@ -6957,14 +6896,6 @@
               </a:rPr>
               <a:t>SQLite</a:t>
             </a:r>
-            <a:endParaRPr lang="pl-PL" sz="2600" dirty="0">
-              <a:solidFill>
-                <a:schemeClr val="bg1"/>
-              </a:solidFill>
-              <a:latin typeface="Verdana" panose="020B0604030504040204" pitchFamily="34" charset="0"/>
-              <a:ea typeface="Verdana" panose="020B0604030504040204" pitchFamily="34" charset="0"/>
-              <a:cs typeface="Verdana" panose="020B0604030504040204" pitchFamily="34" charset="0"/>
-            </a:endParaRPr>
           </a:p>
         </p:txBody>
       </p:sp>
@@ -7140,7 +7071,7 @@
           <a:p>
             <a:pPr algn="ctr"/>
             <a:r>
-              <a:rPr lang="pl-PL" sz="2600" dirty="0" err="1">
+              <a:rPr lang="pl-PL" sz="2600" dirty="0">
                 <a:solidFill>
                   <a:schemeClr val="bg1"/>
                 </a:solidFill>
@@ -7150,14 +7081,6 @@
               </a:rPr>
               <a:t>SQLite</a:t>
             </a:r>
-            <a:endParaRPr lang="pl-PL" sz="2600" dirty="0">
-              <a:solidFill>
-                <a:schemeClr val="bg1"/>
-              </a:solidFill>
-              <a:latin typeface="Verdana" panose="020B0604030504040204" pitchFamily="34" charset="0"/>
-              <a:ea typeface="Verdana" panose="020B0604030504040204" pitchFamily="34" charset="0"/>
-              <a:cs typeface="Verdana" panose="020B0604030504040204" pitchFamily="34" charset="0"/>
-            </a:endParaRPr>
           </a:p>
         </p:txBody>
       </p:sp>
@@ -7303,7 +7226,7 @@
           <a:p>
             <a:pPr algn="ctr"/>
             <a:r>
-              <a:rPr lang="pl-PL" sz="2600" dirty="0" err="1">
+              <a:rPr lang="pl-PL" sz="2600" dirty="0">
                 <a:solidFill>
                   <a:schemeClr val="bg1"/>
                 </a:solidFill>
@@ -7313,14 +7236,6 @@
               </a:rPr>
               <a:t>SQLite</a:t>
             </a:r>
-            <a:endParaRPr lang="pl-PL" sz="2600" dirty="0">
-              <a:solidFill>
-                <a:schemeClr val="bg1"/>
-              </a:solidFill>
-              <a:latin typeface="Verdana" panose="020B0604030504040204" pitchFamily="34" charset="0"/>
-              <a:ea typeface="Verdana" panose="020B0604030504040204" pitchFamily="34" charset="0"/>
-              <a:cs typeface="Verdana" panose="020B0604030504040204" pitchFamily="34" charset="0"/>
-            </a:endParaRPr>
           </a:p>
         </p:txBody>
       </p:sp>
@@ -7719,7 +7634,7 @@
           <a:p>
             <a:pPr algn="ctr"/>
             <a:r>
-              <a:rPr lang="pl-PL" sz="2600" dirty="0" err="1">
+              <a:rPr lang="pl-PL" sz="2600" dirty="0">
                 <a:solidFill>
                   <a:schemeClr val="bg1"/>
                 </a:solidFill>
@@ -7729,14 +7644,6 @@
               </a:rPr>
               <a:t>SQLite</a:t>
             </a:r>
-            <a:endParaRPr lang="pl-PL" sz="2600" dirty="0">
-              <a:solidFill>
-                <a:schemeClr val="bg1"/>
-              </a:solidFill>
-              <a:latin typeface="Verdana" panose="020B0604030504040204" pitchFamily="34" charset="0"/>
-              <a:ea typeface="Verdana" panose="020B0604030504040204" pitchFamily="34" charset="0"/>
-              <a:cs typeface="Verdana" panose="020B0604030504040204" pitchFamily="34" charset="0"/>
-            </a:endParaRPr>
           </a:p>
         </p:txBody>
       </p:sp>
@@ -7882,7 +7789,7 @@
           <a:p>
             <a:pPr algn="ctr"/>
             <a:r>
-              <a:rPr lang="pl-PL" sz="2600" dirty="0" err="1">
+              <a:rPr lang="pl-PL" sz="2600" dirty="0">
                 <a:solidFill>
                   <a:schemeClr val="bg1"/>
                 </a:solidFill>
@@ -7892,14 +7799,6 @@
               </a:rPr>
               <a:t>SQLite</a:t>
             </a:r>
-            <a:endParaRPr lang="pl-PL" sz="2600" dirty="0">
-              <a:solidFill>
-                <a:schemeClr val="bg1"/>
-              </a:solidFill>
-              <a:latin typeface="Verdana" panose="020B0604030504040204" pitchFamily="34" charset="0"/>
-              <a:ea typeface="Verdana" panose="020B0604030504040204" pitchFamily="34" charset="0"/>
-              <a:cs typeface="Verdana" panose="020B0604030504040204" pitchFamily="34" charset="0"/>
-            </a:endParaRPr>
           </a:p>
         </p:txBody>
       </p:sp>
@@ -8306,22 +8205,6 @@
               <a:buChar char="•"/>
             </a:pPr>
             <a:r>
-              <a:rPr lang="pl-PL" sz="2000" u="sng" dirty="0" err="1">
-                <a:solidFill>
-                  <a:schemeClr val="bg1"/>
-                </a:solidFill>
-                <a:latin typeface="Roboto"/>
-                <a:hlinkClick r:id="rId4">
-                  <a:extLst>
-                    <a:ext uri="{A12FA001-AC4F-418D-AE19-62706E023703}">
-                      <ahyp:hlinkClr xmlns:ahyp="http://schemas.microsoft.com/office/drawing/2018/hyperlinkcolor" val="tx"/>
-                    </a:ext>
-                  </a:extLst>
-                </a:hlinkClick>
-              </a:rPr>
-              <a:t>Shared</a:t>
-            </a:r>
-            <a:r>
               <a:rPr lang="pl-PL" sz="2000" u="sng" dirty="0">
                 <a:solidFill>
                   <a:schemeClr val="bg1"/>
@@ -8335,23 +8218,7 @@
                   </a:extLst>
                 </a:hlinkClick>
               </a:rPr>
-              <a:t> </a:t>
-            </a:r>
-            <a:r>
-              <a:rPr lang="pl-PL" sz="2000" u="sng" dirty="0" err="1">
-                <a:solidFill>
-                  <a:schemeClr val="bg1"/>
-                </a:solidFill>
-                <a:latin typeface="Roboto"/>
-                <a:hlinkClick r:id="rId4">
-                  <a:extLst>
-                    <a:ext uri="{A12FA001-AC4F-418D-AE19-62706E023703}">
-                      <ahyp:hlinkClr xmlns:ahyp="http://schemas.microsoft.com/office/drawing/2018/hyperlinkcolor" val="tx"/>
-                    </a:ext>
-                  </a:extLst>
-                </a:hlinkClick>
-              </a:rPr>
-              <a:t>Preferences</a:t>
+              <a:t>Shared Preferences</a:t>
             </a:r>
             <a:r>
               <a:rPr lang="pl-PL" sz="2000" u="sng" dirty="0">
@@ -8383,22 +8250,6 @@
               <a:buFont typeface="Arial" panose="020B0604020202020204" pitchFamily="34" charset="0"/>
               <a:buChar char="•"/>
             </a:pPr>
-            <a:r>
-              <a:rPr lang="pl-PL" sz="2000" u="sng" dirty="0" err="1">
-                <a:solidFill>
-                  <a:schemeClr val="bg1"/>
-                </a:solidFill>
-                <a:latin typeface="Roboto"/>
-                <a:hlinkClick r:id="rId5">
-                  <a:extLst>
-                    <a:ext uri="{A12FA001-AC4F-418D-AE19-62706E023703}">
-                      <ahyp:hlinkClr xmlns:ahyp="http://schemas.microsoft.com/office/drawing/2018/hyperlinkcolor" val="tx"/>
-                    </a:ext>
-                  </a:extLst>
-                </a:hlinkClick>
-              </a:rPr>
-              <a:t>Internal</a:t>
-            </a:r>
             <a:r>
               <a:rPr lang="pl-PL" sz="2000" u="sng" dirty="0">
                 <a:solidFill>
@@ -8413,7 +8264,7 @@
                   </a:extLst>
                 </a:hlinkClick>
               </a:rPr>
-              <a:t> Storage</a:t>
+              <a:t>Internal Storage</a:t>
             </a:r>
             <a:r>
               <a:rPr lang="pl-PL" sz="2000" u="sng" dirty="0">
@@ -8445,22 +8296,6 @@
               <a:buFont typeface="Arial" panose="020B0604020202020204" pitchFamily="34" charset="0"/>
               <a:buChar char="•"/>
             </a:pPr>
-            <a:r>
-              <a:rPr lang="pl-PL" sz="2000" u="sng" dirty="0" err="1">
-                <a:solidFill>
-                  <a:schemeClr val="bg1"/>
-                </a:solidFill>
-                <a:latin typeface="Roboto"/>
-                <a:hlinkClick r:id="rId6">
-                  <a:extLst>
-                    <a:ext uri="{A12FA001-AC4F-418D-AE19-62706E023703}">
-                      <ahyp:hlinkClr xmlns:ahyp="http://schemas.microsoft.com/office/drawing/2018/hyperlinkcolor" val="tx"/>
-                    </a:ext>
-                  </a:extLst>
-                </a:hlinkClick>
-              </a:rPr>
-              <a:t>External</a:t>
-            </a:r>
             <a:r>
               <a:rPr lang="pl-PL" sz="2000" u="sng" dirty="0">
                 <a:solidFill>
@@ -8475,7 +8310,7 @@
                   </a:extLst>
                 </a:hlinkClick>
               </a:rPr>
-              <a:t> Storage</a:t>
+              <a:t>External Storage</a:t>
             </a:r>
             <a:r>
               <a:rPr lang="pl-PL" sz="2000" u="sng" dirty="0">
@@ -8507,22 +8342,6 @@
               <a:buFont typeface="Arial" panose="020B0604020202020204" pitchFamily="34" charset="0"/>
               <a:buChar char="•"/>
             </a:pPr>
-            <a:r>
-              <a:rPr lang="pl-PL" sz="2000" u="sng" dirty="0" err="1">
-                <a:solidFill>
-                  <a:schemeClr val="bg1"/>
-                </a:solidFill>
-                <a:latin typeface="Roboto"/>
-                <a:hlinkClick r:id="rId7">
-                  <a:extLst>
-                    <a:ext uri="{A12FA001-AC4F-418D-AE19-62706E023703}">
-                      <ahyp:hlinkClr xmlns:ahyp="http://schemas.microsoft.com/office/drawing/2018/hyperlinkcolor" val="tx"/>
-                    </a:ext>
-                  </a:extLst>
-                </a:hlinkClick>
-              </a:rPr>
-              <a:t>SQLite</a:t>
-            </a:r>
             <a:r>
               <a:rPr lang="pl-PL" sz="2000" u="sng" dirty="0">
                 <a:solidFill>
@@ -8537,7 +8356,7 @@
                   </a:extLst>
                 </a:hlinkClick>
               </a:rPr>
-              <a:t> Databases</a:t>
+              <a:t>SQLite Databases</a:t>
             </a:r>
             <a:r>
               <a:rPr lang="pl-PL" sz="2000" u="sng" dirty="0">
@@ -9469,7 +9288,7 @@
           <a:p>
             <a:pPr algn="ctr"/>
             <a:r>
-              <a:rPr lang="pl-PL" sz="2600" dirty="0" err="1">
+              <a:rPr lang="pl-PL" sz="2600" dirty="0">
                 <a:solidFill>
                   <a:schemeClr val="bg1"/>
                 </a:solidFill>
@@ -9479,14 +9298,6 @@
               </a:rPr>
               <a:t>SQLite</a:t>
             </a:r>
-            <a:endParaRPr lang="pl-PL" sz="2600" dirty="0">
-              <a:solidFill>
-                <a:schemeClr val="bg1"/>
-              </a:solidFill>
-              <a:latin typeface="Verdana" panose="020B0604030504040204" pitchFamily="34" charset="0"/>
-              <a:ea typeface="Verdana" panose="020B0604030504040204" pitchFamily="34" charset="0"/>
-              <a:cs typeface="Verdana" panose="020B0604030504040204" pitchFamily="34" charset="0"/>
-            </a:endParaRPr>
           </a:p>
         </p:txBody>
       </p:sp>
